--- a/web-accessibility-validator.pptx
+++ b/web-accessibility-validator.pptx
@@ -108,6 +108,11 @@
       </a:defRPr>
     </a:lvl9pPr>
   </p:defaultTextStyle>
+  <p:extLst>
+    <p:ext uri="{EFAFB233-063F-42B5-8137-9DF3F51BA10A}">
+      <p15:sldGuideLst xmlns:p15="http://schemas.microsoft.com/office/powerpoint/2012/main"/>
+    </p:ext>
+  </p:extLst>
 </p:presentation>
 </file>
 
@@ -258,7 +263,7 @@
           <a:p>
             <a:fld id="{D5F50C25-556B-4B11-AF96-BE14FABB7C26}" type="datetimeFigureOut">
               <a:rPr lang="ko-KR" altLang="en-US" smtClean="0"/>
-              <a:t>2024-01-04</a:t>
+              <a:t>2024-01-05</a:t>
             </a:fld>
             <a:endParaRPr lang="ko-KR" altLang="en-US"/>
           </a:p>
@@ -456,7 +461,7 @@
           <a:p>
             <a:fld id="{D5F50C25-556B-4B11-AF96-BE14FABB7C26}" type="datetimeFigureOut">
               <a:rPr lang="ko-KR" altLang="en-US" smtClean="0"/>
-              <a:t>2024-01-04</a:t>
+              <a:t>2024-01-05</a:t>
             </a:fld>
             <a:endParaRPr lang="ko-KR" altLang="en-US"/>
           </a:p>
@@ -664,7 +669,7 @@
           <a:p>
             <a:fld id="{D5F50C25-556B-4B11-AF96-BE14FABB7C26}" type="datetimeFigureOut">
               <a:rPr lang="ko-KR" altLang="en-US" smtClean="0"/>
-              <a:t>2024-01-04</a:t>
+              <a:t>2024-01-05</a:t>
             </a:fld>
             <a:endParaRPr lang="ko-KR" altLang="en-US"/>
           </a:p>
@@ -862,7 +867,7 @@
           <a:p>
             <a:fld id="{D5F50C25-556B-4B11-AF96-BE14FABB7C26}" type="datetimeFigureOut">
               <a:rPr lang="ko-KR" altLang="en-US" smtClean="0"/>
-              <a:t>2024-01-04</a:t>
+              <a:t>2024-01-05</a:t>
             </a:fld>
             <a:endParaRPr lang="ko-KR" altLang="en-US"/>
           </a:p>
@@ -1137,7 +1142,7 @@
           <a:p>
             <a:fld id="{D5F50C25-556B-4B11-AF96-BE14FABB7C26}" type="datetimeFigureOut">
               <a:rPr lang="ko-KR" altLang="en-US" smtClean="0"/>
-              <a:t>2024-01-04</a:t>
+              <a:t>2024-01-05</a:t>
             </a:fld>
             <a:endParaRPr lang="ko-KR" altLang="en-US"/>
           </a:p>
@@ -1402,7 +1407,7 @@
           <a:p>
             <a:fld id="{D5F50C25-556B-4B11-AF96-BE14FABB7C26}" type="datetimeFigureOut">
               <a:rPr lang="ko-KR" altLang="en-US" smtClean="0"/>
-              <a:t>2024-01-04</a:t>
+              <a:t>2024-01-05</a:t>
             </a:fld>
             <a:endParaRPr lang="ko-KR" altLang="en-US"/>
           </a:p>
@@ -1814,7 +1819,7 @@
           <a:p>
             <a:fld id="{D5F50C25-556B-4B11-AF96-BE14FABB7C26}" type="datetimeFigureOut">
               <a:rPr lang="ko-KR" altLang="en-US" smtClean="0"/>
-              <a:t>2024-01-04</a:t>
+              <a:t>2024-01-05</a:t>
             </a:fld>
             <a:endParaRPr lang="ko-KR" altLang="en-US"/>
           </a:p>
@@ -1955,7 +1960,7 @@
           <a:p>
             <a:fld id="{D5F50C25-556B-4B11-AF96-BE14FABB7C26}" type="datetimeFigureOut">
               <a:rPr lang="ko-KR" altLang="en-US" smtClean="0"/>
-              <a:t>2024-01-04</a:t>
+              <a:t>2024-01-05</a:t>
             </a:fld>
             <a:endParaRPr lang="ko-KR" altLang="en-US"/>
           </a:p>
@@ -2068,7 +2073,7 @@
           <a:p>
             <a:fld id="{D5F50C25-556B-4B11-AF96-BE14FABB7C26}" type="datetimeFigureOut">
               <a:rPr lang="ko-KR" altLang="en-US" smtClean="0"/>
-              <a:t>2024-01-04</a:t>
+              <a:t>2024-01-05</a:t>
             </a:fld>
             <a:endParaRPr lang="ko-KR" altLang="en-US"/>
           </a:p>
@@ -2379,7 +2384,7 @@
           <a:p>
             <a:fld id="{D5F50C25-556B-4B11-AF96-BE14FABB7C26}" type="datetimeFigureOut">
               <a:rPr lang="ko-KR" altLang="en-US" smtClean="0"/>
-              <a:t>2024-01-04</a:t>
+              <a:t>2024-01-05</a:t>
             </a:fld>
             <a:endParaRPr lang="ko-KR" altLang="en-US"/>
           </a:p>
@@ -2667,7 +2672,7 @@
           <a:p>
             <a:fld id="{D5F50C25-556B-4B11-AF96-BE14FABB7C26}" type="datetimeFigureOut">
               <a:rPr lang="ko-KR" altLang="en-US" smtClean="0"/>
-              <a:t>2024-01-04</a:t>
+              <a:t>2024-01-05</a:t>
             </a:fld>
             <a:endParaRPr lang="ko-KR" altLang="en-US"/>
           </a:p>
@@ -2908,7 +2913,7 @@
           <a:p>
             <a:fld id="{D5F50C25-556B-4B11-AF96-BE14FABB7C26}" type="datetimeFigureOut">
               <a:rPr lang="ko-KR" altLang="en-US" smtClean="0"/>
-              <a:t>2024-01-04</a:t>
+              <a:t>2024-01-05</a:t>
             </a:fld>
             <a:endParaRPr lang="ko-KR" altLang="en-US"/>
           </a:p>
@@ -5339,7 +5344,9 @@
           </a:xfrm>
         </p:spPr>
         <p:txBody>
-          <a:bodyPr/>
+          <a:bodyPr>
+            <a:normAutofit lnSpcReduction="10000"/>
+          </a:bodyPr>
           <a:lstStyle/>
           <a:p>
             <a:pPr>
@@ -5347,26 +5354,10 @@
               <a:buChar char="-"/>
             </a:pPr>
             <a:r>
-              <a:rPr lang="en-US" altLang="ko-KR" dirty="0" err="1"/>
-              <a:t>css</a:t>
-            </a:r>
-            <a:r>
-              <a:rPr lang="en-US" altLang="ko-KR" dirty="0"/>
-              <a:t>, </a:t>
-            </a:r>
-            <a:r>
-              <a:rPr lang="en-US" altLang="ko-KR" dirty="0" err="1"/>
-              <a:t>js</a:t>
-            </a:r>
-            <a:r>
-              <a:rPr lang="en-US" altLang="ko-KR" dirty="0"/>
-              <a:t> </a:t>
-            </a:r>
-            <a:r>
-              <a:rPr lang="ko-KR" altLang="en-US" dirty="0"/>
-              <a:t>추가</a:t>
-            </a:r>
-            <a:endParaRPr lang="en-US" altLang="ko-KR" dirty="0"/>
+              <a:rPr lang="ko-KR" altLang="en-US" dirty="0" err="1"/>
+              <a:t>할일</a:t>
+            </a:r>
+            <a:endParaRPr lang="ko-KR" altLang="en-US" dirty="0"/>
           </a:p>
           <a:p>
             <a:pPr>
@@ -5374,38 +5365,158 @@
               <a:buChar char="-"/>
             </a:pPr>
             <a:r>
+              <a:rPr lang="en-US" altLang="ko-KR" dirty="0"/>
+              <a:t>1. Left, Right</a:t>
+            </a:r>
+            <a:r>
               <a:rPr lang="ko-KR" altLang="en-US" dirty="0"/>
-              <a:t>프로젝트 전체 단위 추가</a:t>
-            </a:r>
-            <a:endParaRPr lang="en-US" altLang="ko-KR" dirty="0"/>
+              <a:t>를 </a:t>
+            </a:r>
+            <a:r>
+              <a:rPr lang="en-US" altLang="ko-KR" dirty="0"/>
+              <a:t>Box</a:t>
+            </a:r>
+            <a:r>
+              <a:rPr lang="ko-KR" altLang="en-US" dirty="0"/>
+              <a:t>를 상속받는 컴포넌트로 만들어야 한다</a:t>
+            </a:r>
+            <a:r>
+              <a:rPr lang="en-US" altLang="ko-KR" dirty="0"/>
+              <a:t>. </a:t>
+            </a:r>
+            <a:r>
+              <a:rPr lang="ko-KR" altLang="en-US" dirty="0"/>
+              <a:t>그래서 </a:t>
+            </a:r>
+            <a:r>
+              <a:rPr lang="en-US" altLang="ko-KR" dirty="0"/>
+              <a:t>Box </a:t>
+            </a:r>
+            <a:r>
+              <a:rPr lang="ko-KR" altLang="en-US" dirty="0"/>
+              <a:t>구조만 받아오고</a:t>
+            </a:r>
           </a:p>
           <a:p>
             <a:pPr>
-              <a:buFont typeface="Symbol" panose="05050102010706020507" pitchFamily="18" charset="2"/>
-              <a:buChar char="Þ"/>
+              <a:buFontTx/>
+              <a:buChar char="-"/>
             </a:pPr>
             <a:r>
+              <a:rPr lang="en-US" altLang="ko-KR" dirty="0"/>
+              <a:t>title </a:t>
+            </a:r>
+            <a:r>
               <a:rPr lang="ko-KR" altLang="en-US" dirty="0"/>
-              <a:t>검사 형태 선택</a:t>
-            </a:r>
+              <a:t>같은 건 각 컴포넌트에서 설정해주는 방식</a:t>
+            </a:r>
+          </a:p>
+          <a:p>
+            <a:pPr>
+              <a:buFontTx/>
+              <a:buChar char="-"/>
+            </a:pPr>
+            <a:endParaRPr lang="ko-KR" altLang="en-US" dirty="0"/>
+          </a:p>
+          <a:p>
+            <a:pPr>
+              <a:buFontTx/>
+              <a:buChar char="-"/>
+            </a:pPr>
             <a:r>
               <a:rPr lang="en-US" altLang="ko-KR" dirty="0"/>
-              <a:t>, </a:t>
+              <a:t>2. Right </a:t>
+            </a:r>
+            <a:r>
+              <a:rPr lang="en-US" altLang="ko-KR" dirty="0" err="1"/>
+              <a:t>ui</a:t>
+            </a:r>
+            <a:r>
+              <a:rPr lang="en-US" altLang="ko-KR" dirty="0"/>
+              <a:t> </a:t>
             </a:r>
             <a:r>
               <a:rPr lang="ko-KR" altLang="en-US" dirty="0"/>
-              <a:t>프로젝트 전체 검사 시 압축 해제 기능</a:t>
-            </a:r>
-            <a:endParaRPr lang="en-US" altLang="ko-KR" dirty="0"/>
+              <a:t>어떻게 만들지 고민</a:t>
+            </a:r>
           </a:p>
           <a:p>
             <a:pPr>
-              <a:buFont typeface="Symbol" panose="05050102010706020507" pitchFamily="18" charset="2"/>
-              <a:buChar char="Þ"/>
+              <a:buFontTx/>
+              <a:buChar char="-"/>
             </a:pPr>
+            <a:endParaRPr lang="ko-KR" altLang="en-US" dirty="0"/>
+          </a:p>
+          <a:p>
+            <a:pPr>
+              <a:buFontTx/>
+              <a:buChar char="-"/>
+            </a:pPr>
+            <a:r>
+              <a:rPr lang="en-US" altLang="ko-KR" dirty="0"/>
+              <a:t>3. </a:t>
+            </a:r>
             <a:r>
               <a:rPr lang="ko-KR" altLang="en-US" dirty="0"/>
-              <a:t>프로젝트 전체 시 파일 트리 출력하고 클릭 시 각 파일 페이지 출력</a:t>
+              <a:t>파일 업로드 </a:t>
+            </a:r>
+            <a:r>
+              <a:rPr lang="en-US" altLang="ko-KR" dirty="0"/>
+              <a:t>-&gt; </a:t>
+            </a:r>
+            <a:r>
+              <a:rPr lang="ko-KR" altLang="en-US" dirty="0"/>
+              <a:t>코드 추출</a:t>
+            </a:r>
+          </a:p>
+          <a:p>
+            <a:pPr>
+              <a:buFontTx/>
+              <a:buChar char="-"/>
+            </a:pPr>
+            <a:endParaRPr lang="ko-KR" altLang="en-US" dirty="0"/>
+          </a:p>
+          <a:p>
+            <a:pPr>
+              <a:buFontTx/>
+              <a:buChar char="-"/>
+            </a:pPr>
+            <a:r>
+              <a:rPr lang="en-US" altLang="ko-KR" dirty="0"/>
+              <a:t>4. </a:t>
+            </a:r>
+            <a:r>
+              <a:rPr lang="ko-KR" altLang="en-US" dirty="0"/>
+              <a:t>추출한 코드 </a:t>
+            </a:r>
+            <a:r>
+              <a:rPr lang="en-US" altLang="ko-KR" dirty="0"/>
+              <a:t>-&gt; </a:t>
+            </a:r>
+            <a:r>
+              <a:rPr lang="ko-KR" altLang="en-US" dirty="0"/>
+              <a:t>검사 도구에 넣는 기능까지</a:t>
+            </a:r>
+          </a:p>
+          <a:p>
+            <a:pPr>
+              <a:buFontTx/>
+              <a:buChar char="-"/>
+            </a:pPr>
+            <a:endParaRPr lang="ko-KR" altLang="en-US" dirty="0"/>
+          </a:p>
+          <a:p>
+            <a:pPr>
+              <a:buFontTx/>
+              <a:buChar char="-"/>
+            </a:pPr>
+            <a:r>
+              <a:rPr lang="en-US" altLang="ko-KR" dirty="0"/>
+              <a:t>5. </a:t>
+            </a:r>
+            <a:r>
+              <a:rPr lang="ko-KR" altLang="en-US" dirty="0"/>
+              <a:t>접근성 검사 기능 하나씩 구현</a:t>
             </a:r>
           </a:p>
         </p:txBody>

--- a/web-accessibility-validator.pptx
+++ b/web-accessibility-validator.pptx
@@ -5345,7 +5345,7 @@
         </p:spPr>
         <p:txBody>
           <a:bodyPr>
-            <a:normAutofit lnSpcReduction="10000"/>
+            <a:normAutofit/>
           </a:bodyPr>
           <a:lstStyle/>
           <a:p>
@@ -5416,7 +5416,22 @@
               <a:buFontTx/>
               <a:buChar char="-"/>
             </a:pPr>
-            <a:endParaRPr lang="ko-KR" altLang="en-US" dirty="0"/>
+            <a:r>
+              <a:rPr lang="en-US" altLang="ko-KR" dirty="0"/>
+              <a:t>2. Right </a:t>
+            </a:r>
+            <a:r>
+              <a:rPr lang="en-US" altLang="ko-KR" dirty="0" err="1"/>
+              <a:t>ui</a:t>
+            </a:r>
+            <a:r>
+              <a:rPr lang="en-US" altLang="ko-KR" dirty="0"/>
+              <a:t> </a:t>
+            </a:r>
+            <a:r>
+              <a:rPr lang="ko-KR" altLang="en-US" dirty="0"/>
+              <a:t>어떻게 만들지 고민</a:t>
+            </a:r>
           </a:p>
           <a:p>
             <a:pPr>
@@ -5425,19 +5440,19 @@
             </a:pPr>
             <a:r>
               <a:rPr lang="en-US" altLang="ko-KR" dirty="0"/>
-              <a:t>2. Right </a:t>
-            </a:r>
-            <a:r>
-              <a:rPr lang="en-US" altLang="ko-KR" dirty="0" err="1"/>
-              <a:t>ui</a:t>
+              <a:t>3. </a:t>
+            </a:r>
+            <a:r>
+              <a:rPr lang="ko-KR" altLang="en-US" dirty="0"/>
+              <a:t>파일 업로드 </a:t>
             </a:r>
             <a:r>
               <a:rPr lang="en-US" altLang="ko-KR" dirty="0"/>
-              <a:t> </a:t>
+              <a:t>-&gt; </a:t>
             </a:r>
             <a:r>
               <a:rPr lang="ko-KR" altLang="en-US" dirty="0"/>
-              <a:t>어떻게 만들지 고민</a:t>
+              <a:t>코드 추출</a:t>
             </a:r>
           </a:p>
           <a:p>
@@ -5445,7 +5460,22 @@
               <a:buFontTx/>
               <a:buChar char="-"/>
             </a:pPr>
-            <a:endParaRPr lang="ko-KR" altLang="en-US" dirty="0"/>
+            <a:r>
+              <a:rPr lang="en-US" altLang="ko-KR" dirty="0"/>
+              <a:t>4. </a:t>
+            </a:r>
+            <a:r>
+              <a:rPr lang="ko-KR" altLang="en-US" dirty="0"/>
+              <a:t>추출한 코드 </a:t>
+            </a:r>
+            <a:r>
+              <a:rPr lang="en-US" altLang="ko-KR" dirty="0"/>
+              <a:t>-&gt; </a:t>
+            </a:r>
+            <a:r>
+              <a:rPr lang="ko-KR" altLang="en-US" dirty="0"/>
+              <a:t>검사 도구에 넣는 기능까지</a:t>
+            </a:r>
           </a:p>
           <a:p>
             <a:pPr>
@@ -5454,27 +5484,44 @@
             </a:pPr>
             <a:r>
               <a:rPr lang="en-US" altLang="ko-KR" dirty="0"/>
-              <a:t>3. </a:t>
+              <a:t>5. </a:t>
+            </a:r>
+            <a:r>
+              <a:rPr lang="ko-KR" altLang="en-US" dirty="0" err="1"/>
+              <a:t>문제있는</a:t>
             </a:r>
             <a:r>
               <a:rPr lang="ko-KR" altLang="en-US" dirty="0"/>
-              <a:t>파일 업로드 </a:t>
+              <a:t> 코드 하이라이트 표시 구현 </a:t>
             </a:r>
             <a:r>
               <a:rPr lang="en-US" altLang="ko-KR" dirty="0"/>
-              <a:t>-&gt; </a:t>
+              <a:t>(</a:t>
             </a:r>
             <a:r>
               <a:rPr lang="ko-KR" altLang="en-US" dirty="0"/>
-              <a:t>코드 추출</a:t>
-            </a:r>
+              <a:t>각 분야에 맞게</a:t>
+            </a:r>
+            <a:r>
+              <a:rPr lang="en-US" altLang="ko-KR" dirty="0"/>
+              <a:t>?)</a:t>
+            </a:r>
+            <a:endParaRPr lang="ko-KR" altLang="en-US" dirty="0"/>
           </a:p>
           <a:p>
             <a:pPr>
               <a:buFontTx/>
               <a:buChar char="-"/>
             </a:pPr>
-            <a:endParaRPr lang="ko-KR" altLang="en-US" dirty="0"/>
+            <a:r>
+              <a:rPr lang="en-US" altLang="ko-KR" dirty="0"/>
+              <a:t>6. </a:t>
+            </a:r>
+            <a:r>
+              <a:rPr lang="ko-KR" altLang="en-US" dirty="0"/>
+              <a:t>접근성 검사 기능 하나씩 구현</a:t>
+            </a:r>
+            <a:endParaRPr lang="en-US" altLang="ko-KR" dirty="0"/>
           </a:p>
           <a:p>
             <a:pPr>
@@ -5483,41 +5530,21 @@
             </a:pPr>
             <a:r>
               <a:rPr lang="en-US" altLang="ko-KR" dirty="0"/>
-              <a:t>4. </a:t>
+              <a:t>7. html, </a:t>
+            </a:r>
+            <a:r>
+              <a:rPr lang="en-US" altLang="ko-KR" dirty="0" err="1"/>
+              <a:t>css</a:t>
+            </a:r>
+            <a:r>
+              <a:rPr lang="en-US" altLang="ko-KR" dirty="0"/>
+              <a:t> </a:t>
             </a:r>
             <a:r>
               <a:rPr lang="ko-KR" altLang="en-US" dirty="0"/>
-              <a:t>추출한 코드 </a:t>
-            </a:r>
-            <a:r>
-              <a:rPr lang="en-US" altLang="ko-KR" dirty="0"/>
-              <a:t>-&gt; </a:t>
-            </a:r>
-            <a:r>
-              <a:rPr lang="ko-KR" altLang="en-US" dirty="0"/>
-              <a:t>검사 도구에 넣는 기능까지</a:t>
-            </a:r>
-          </a:p>
-          <a:p>
-            <a:pPr>
-              <a:buFontTx/>
-              <a:buChar char="-"/>
-            </a:pPr>
-            <a:endParaRPr lang="ko-KR" altLang="en-US" dirty="0"/>
-          </a:p>
-          <a:p>
-            <a:pPr>
-              <a:buFontTx/>
-              <a:buChar char="-"/>
-            </a:pPr>
-            <a:r>
-              <a:rPr lang="en-US" altLang="ko-KR" dirty="0"/>
-              <a:t>5. </a:t>
-            </a:r>
-            <a:r>
-              <a:rPr lang="ko-KR" altLang="en-US" dirty="0"/>
-              <a:t>접근성 검사 기능 하나씩 구현</a:t>
-            </a:r>
+              <a:t>구분</a:t>
+            </a:r>
+            <a:endParaRPr lang="en-US" altLang="ko-KR" dirty="0"/>
           </a:p>
         </p:txBody>
       </p:sp>
